--- a/cai-shioya-exercises.pptx
+++ b/cai-shioya-exercises.pptx
@@ -271,7 +271,7 @@
           <a:p>
             <a:fld id="{6F0D877F-F984-4AF8-9DD3-1EDD0240AB14}" type="datetimeFigureOut">
               <a:rPr kumimoji="1" lang="en-US" smtClean="0"/>
-              <a:t>8/6/2023</a:t>
+              <a:t>7/24/2024</a:t>
             </a:fld>
             <a:endParaRPr kumimoji="1" lang="en-US"/>
           </a:p>
@@ -448,7 +448,7 @@
           <a:p>
             <a:fld id="{BC56210E-A5EE-4707-8EFD-B2050EBAA0B3}" type="datetimeFigureOut">
               <a:rPr kumimoji="1" lang="ja-JP" altLang="en-US" smtClean="0"/>
-              <a:t>2023/8/6</a:t>
+              <a:t>2024/7/24</a:t>
             </a:fld>
             <a:endParaRPr kumimoji="1" lang="ja-JP" altLang="en-US"/>
           </a:p>
@@ -6957,7 +6957,7 @@
               <a:rPr lang="en-US" altLang="ja-JP" dirty="0">
                 <a:latin typeface="Consolas" panose="020B0609020204030204" pitchFamily="49" charset="0"/>
               </a:rPr>
-              <a:t>or:  0000000 </a:t>
+              <a:t>add: 0000000 </a:t>
             </a:r>
             <a:r>
               <a:rPr lang="en-US" altLang="ja-JP" dirty="0">
@@ -6987,7 +6987,22 @@
               <a:rPr lang="en-US" altLang="ja-JP" dirty="0">
                 <a:latin typeface="Consolas" panose="020B0609020204030204" pitchFamily="49" charset="0"/>
               </a:rPr>
-              <a:t> 111 </a:t>
+              <a:t> </a:t>
+            </a:r>
+            <a:r>
+              <a:rPr lang="en-US" altLang="ja-JP" dirty="0">
+                <a:solidFill>
+                  <a:schemeClr val="accent5"/>
+                </a:solidFill>
+                <a:latin typeface="Consolas" panose="020B0609020204030204" pitchFamily="49" charset="0"/>
+              </a:rPr>
+              <a:t>000</a:t>
+            </a:r>
+            <a:r>
+              <a:rPr lang="en-US" altLang="ja-JP" dirty="0">
+                <a:latin typeface="Consolas" panose="020B0609020204030204" pitchFamily="49" charset="0"/>
+              </a:rPr>
+              <a:t> </a:t>
             </a:r>
             <a:r>
               <a:rPr lang="en-US" altLang="ja-JP" dirty="0">
@@ -16246,11 +16261,14 @@
               <a:t>ヒット率：</a:t>
             </a:r>
             <a:r>
-              <a:rPr lang="en-US" altLang="ja-JP" sz="1400" kern="0" dirty="0">
-                <a:latin typeface="Consolas" panose="020B0609020204030204" pitchFamily="49" charset="0"/>
-              </a:rPr>
-              <a:t>1/8=0.125</a:t>
-            </a:r>
+              <a:rPr lang="en-US" altLang="ja-JP" sz="1400" kern="0">
+                <a:latin typeface="Consolas" panose="020B0609020204030204" pitchFamily="49" charset="0"/>
+              </a:rPr>
+              <a:t>0</a:t>
+            </a:r>
+            <a:endParaRPr lang="en-US" altLang="ja-JP" sz="1400" kern="0" dirty="0">
+              <a:latin typeface="Consolas" panose="020B0609020204030204" pitchFamily="49" charset="0"/>
+            </a:endParaRPr>
           </a:p>
           <a:p>
             <a:pPr lvl="1"/>
